--- a/groupproject3.pptx
+++ b/groupproject3.pptx
@@ -8,8 +8,6 @@
     <p:sldId id="256" r:id="rId2"/>
     <p:sldId id="257" r:id="rId3"/>
     <p:sldId id="258" r:id="rId4"/>
-    <p:sldId id="259" r:id="rId5"/>
-    <p:sldId id="260" r:id="rId6"/>
   </p:sldIdLst>
   <p:sldSz cx="12192000" cy="6858000"/>
   <p:notesSz cx="6858000" cy="9144000"/>
@@ -263,7 +261,7 @@
           <a:p>
             <a:fld id="{0D677069-4464-0741-94BC-0309128598EA}" type="datetimeFigureOut">
               <a:rPr lang="en-US" smtClean="0"/>
-              <a:t>5/4/22</a:t>
+              <a:t>5/16/22</a:t>
             </a:fld>
             <a:endParaRPr lang="en-US"/>
           </a:p>
@@ -461,7 +459,7 @@
           <a:p>
             <a:fld id="{0D677069-4464-0741-94BC-0309128598EA}" type="datetimeFigureOut">
               <a:rPr lang="en-US" smtClean="0"/>
-              <a:t>5/4/22</a:t>
+              <a:t>5/16/22</a:t>
             </a:fld>
             <a:endParaRPr lang="en-US"/>
           </a:p>
@@ -669,7 +667,7 @@
           <a:p>
             <a:fld id="{0D677069-4464-0741-94BC-0309128598EA}" type="datetimeFigureOut">
               <a:rPr lang="en-US" smtClean="0"/>
-              <a:t>5/4/22</a:t>
+              <a:t>5/16/22</a:t>
             </a:fld>
             <a:endParaRPr lang="en-US"/>
           </a:p>
@@ -867,7 +865,7 @@
           <a:p>
             <a:fld id="{0D677069-4464-0741-94BC-0309128598EA}" type="datetimeFigureOut">
               <a:rPr lang="en-US" smtClean="0"/>
-              <a:t>5/4/22</a:t>
+              <a:t>5/16/22</a:t>
             </a:fld>
             <a:endParaRPr lang="en-US"/>
           </a:p>
@@ -1142,7 +1140,7 @@
           <a:p>
             <a:fld id="{0D677069-4464-0741-94BC-0309128598EA}" type="datetimeFigureOut">
               <a:rPr lang="en-US" smtClean="0"/>
-              <a:t>5/4/22</a:t>
+              <a:t>5/16/22</a:t>
             </a:fld>
             <a:endParaRPr lang="en-US"/>
           </a:p>
@@ -1407,7 +1405,7 @@
           <a:p>
             <a:fld id="{0D677069-4464-0741-94BC-0309128598EA}" type="datetimeFigureOut">
               <a:rPr lang="en-US" smtClean="0"/>
-              <a:t>5/4/22</a:t>
+              <a:t>5/16/22</a:t>
             </a:fld>
             <a:endParaRPr lang="en-US"/>
           </a:p>
@@ -1819,7 +1817,7 @@
           <a:p>
             <a:fld id="{0D677069-4464-0741-94BC-0309128598EA}" type="datetimeFigureOut">
               <a:rPr lang="en-US" smtClean="0"/>
-              <a:t>5/4/22</a:t>
+              <a:t>5/16/22</a:t>
             </a:fld>
             <a:endParaRPr lang="en-US"/>
           </a:p>
@@ -1960,7 +1958,7 @@
           <a:p>
             <a:fld id="{0D677069-4464-0741-94BC-0309128598EA}" type="datetimeFigureOut">
               <a:rPr lang="en-US" smtClean="0"/>
-              <a:t>5/4/22</a:t>
+              <a:t>5/16/22</a:t>
             </a:fld>
             <a:endParaRPr lang="en-US"/>
           </a:p>
@@ -2073,7 +2071,7 @@
           <a:p>
             <a:fld id="{0D677069-4464-0741-94BC-0309128598EA}" type="datetimeFigureOut">
               <a:rPr lang="en-US" smtClean="0"/>
-              <a:t>5/4/22</a:t>
+              <a:t>5/16/22</a:t>
             </a:fld>
             <a:endParaRPr lang="en-US"/>
           </a:p>
@@ -2384,7 +2382,7 @@
           <a:p>
             <a:fld id="{0D677069-4464-0741-94BC-0309128598EA}" type="datetimeFigureOut">
               <a:rPr lang="en-US" smtClean="0"/>
-              <a:t>5/4/22</a:t>
+              <a:t>5/16/22</a:t>
             </a:fld>
             <a:endParaRPr lang="en-US"/>
           </a:p>
@@ -2672,7 +2670,7 @@
           <a:p>
             <a:fld id="{0D677069-4464-0741-94BC-0309128598EA}" type="datetimeFigureOut">
               <a:rPr lang="en-US" smtClean="0"/>
-              <a:t>5/4/22</a:t>
+              <a:t>5/16/22</a:t>
             </a:fld>
             <a:endParaRPr lang="en-US"/>
           </a:p>
@@ -2913,7 +2911,7 @@
           <a:p>
             <a:fld id="{0D677069-4464-0741-94BC-0309128598EA}" type="datetimeFigureOut">
               <a:rPr lang="en-US" smtClean="0"/>
-              <a:t>5/4/22</a:t>
+              <a:t>5/16/22</a:t>
             </a:fld>
             <a:endParaRPr lang="en-US"/>
           </a:p>
@@ -12311,7 +12309,7 @@
           <a:lstStyle/>
           <a:p>
             <a:r>
-              <a:rPr lang="en-US" sz="2000">
+              <a:rPr lang="en-US" sz="2000" dirty="0">
                 <a:solidFill>
                   <a:schemeClr val="tx1">
                     <a:lumMod val="85000"/>
@@ -12319,14 +12317,40 @@
                   </a:schemeClr>
                 </a:solidFill>
               </a:rPr>
-              <a:t>Why is RMSE important to validate prediction and accuracy?</a:t>
+              <a:t>Root Mean Square Error (RMSE) can be used to observe distance between predicted values and observed values.</a:t>
+            </a:r>
+          </a:p>
+          <a:p>
+            <a:r>
+              <a:rPr lang="en-US" sz="2000" dirty="0">
+                <a:solidFill>
+                  <a:schemeClr val="tx1">
+                    <a:lumMod val="85000"/>
+                    <a:lumOff val="15000"/>
+                  </a:schemeClr>
+                </a:solidFill>
+              </a:rPr>
+              <a:t>RMSE helps determine how far off we can expect our model to be on its prediction</a:t>
+            </a:r>
+          </a:p>
+          <a:p>
+            <a:r>
+              <a:rPr lang="en-US" sz="2000" dirty="0">
+                <a:solidFill>
+                  <a:schemeClr val="tx1">
+                    <a:lumMod val="85000"/>
+                    <a:lumOff val="15000"/>
+                  </a:schemeClr>
+                </a:solidFill>
+              </a:rPr>
+              <a:t>When evaluating RMSE, the accuracy will depend on how small or large the RMSE is. The lower the RMSE, the better.</a:t>
             </a:r>
           </a:p>
           <a:p>
             <a:pPr marL="0" indent="0">
               <a:buNone/>
             </a:pPr>
-            <a:endParaRPr lang="en-US" sz="2000">
+            <a:endParaRPr lang="en-US" sz="2000" dirty="0">
               <a:solidFill>
                 <a:schemeClr val="tx1">
                   <a:lumMod val="85000"/>
@@ -14363,7 +14387,7 @@
           <a:p>
             <a:r>
               <a:rPr lang="en-US" sz="2000" dirty="0"/>
-              <a:t>Explain what it means, what was the findings? EXPLAIN WHY THIS IS THE GOOD MODEL!!!</a:t>
+              <a:t>This is a very small RMSE, which means our model is going to be fairly accurate when predicting monthly imperial credit.</a:t>
             </a:r>
           </a:p>
           <a:p>
@@ -14405,1704 +14429,6 @@
     <p:extLst>
       <p:ext uri="{BB962C8B-B14F-4D97-AF65-F5344CB8AC3E}">
         <p14:creationId xmlns:p14="http://schemas.microsoft.com/office/powerpoint/2010/main" val="1448634388"/>
-      </p:ext>
-    </p:extLst>
-  </p:cSld>
-  <p:clrMapOvr>
-    <a:masterClrMapping/>
-  </p:clrMapOvr>
-</p:sld>
-</file>
-
-<file path=ppt/slides/slide4.xml><?xml version="1.0" encoding="utf-8"?>
-<p:sld xmlns:a="http://schemas.openxmlformats.org/drawingml/2006/main" xmlns:r="http://schemas.openxmlformats.org/officeDocument/2006/relationships" xmlns:p="http://schemas.openxmlformats.org/presentationml/2006/main">
-  <p:cSld>
-    <p:bg>
-      <p:bgPr>
-        <a:solidFill>
-          <a:schemeClr val="bg1"/>
-        </a:solidFill>
-        <a:effectLst/>
-      </p:bgPr>
-    </p:bg>
-    <p:spTree>
-      <p:nvGrpSpPr>
-        <p:cNvPr id="1" name=""/>
-        <p:cNvGrpSpPr/>
-        <p:nvPr/>
-      </p:nvGrpSpPr>
-      <p:grpSpPr>
-        <a:xfrm>
-          <a:off x="0" y="0"/>
-          <a:ext cx="0" cy="0"/>
-          <a:chOff x="0" y="0"/>
-          <a:chExt cx="0" cy="0"/>
-        </a:xfrm>
-      </p:grpSpPr>
-      <p:sp useBgFill="1">
-        <p:nvSpPr>
-          <p:cNvPr id="8" name="Rectangle 7">
-            <a:extLst>
-              <a:ext uri="{FF2B5EF4-FFF2-40B4-BE49-F238E27FC236}">
-                <a16:creationId xmlns:a16="http://schemas.microsoft.com/office/drawing/2014/main" id="{2515456E-B1B1-48C1-8164-7E567F5D40D4}"/>
-              </a:ext>
-              <a:ext uri="{C183D7F6-B498-43B3-948B-1728B52AA6E4}">
-                <adec:decorative xmlns:adec="http://schemas.microsoft.com/office/drawing/2017/decorative" val="1"/>
-              </a:ext>
-            </a:extLst>
-          </p:cNvPr>
-          <p:cNvSpPr>
-            <a:spLocks noGrp="1" noRot="1" noChangeAspect="1" noMove="1" noResize="1" noEditPoints="1" noAdjustHandles="1" noChangeArrowheads="1" noChangeShapeType="1" noTextEdit="1"/>
-          </p:cNvSpPr>
-          <p:nvPr>
-            <p:extLst>
-              <p:ext uri="{386F3935-93C4-4BCD-93E2-E3B085C9AB24}">
-                <p16:designElem xmlns:p16="http://schemas.microsoft.com/office/powerpoint/2015/main" val="1"/>
-              </p:ext>
-            </p:extLst>
-          </p:nvPr>
-        </p:nvSpPr>
-        <p:spPr>
-          <a:xfrm>
-            <a:off x="0" y="0"/>
-            <a:ext cx="12192000" cy="6858000"/>
-          </a:xfrm>
-          <a:prstGeom prst="rect">
-            <a:avLst/>
-          </a:prstGeom>
-          <a:ln w="12700" cap="flat" cmpd="sng" algn="ctr">
-            <a:noFill/>
-            <a:prstDash val="solid"/>
-            <a:miter lim="800000"/>
-          </a:ln>
-          <a:effectLst/>
-          <a:extLst>
-            <a:ext uri="{91240B29-F687-4F45-9708-019B960494DF}">
-              <a14:hiddenLine xmlns:a14="http://schemas.microsoft.com/office/drawing/2010/main" w="12700" cap="flat" cmpd="sng" algn="ctr">
-                <a:solidFill>
-                  <a:schemeClr val="accent1">
-                    <a:shade val="50000"/>
-                  </a:schemeClr>
-                </a:solidFill>
-                <a:prstDash val="solid"/>
-                <a:miter lim="800000"/>
-              </a14:hiddenLine>
-            </a:ext>
-          </a:extLst>
-        </p:spPr>
-        <p:style>
-          <a:lnRef idx="2">
-            <a:schemeClr val="accent1">
-              <a:shade val="50000"/>
-            </a:schemeClr>
-          </a:lnRef>
-          <a:fillRef idx="1">
-            <a:schemeClr val="accent1"/>
-          </a:fillRef>
-          <a:effectRef idx="0">
-            <a:schemeClr val="accent1"/>
-          </a:effectRef>
-          <a:fontRef idx="minor">
-            <a:schemeClr val="lt1"/>
-          </a:fontRef>
-        </p:style>
-        <p:txBody>
-          <a:bodyPr rtlCol="0" anchor="ctr"/>
-          <a:lstStyle/>
-          <a:p>
-            <a:pPr algn="ctr"/>
-            <a:endParaRPr lang="en-US"/>
-          </a:p>
-        </p:txBody>
-      </p:sp>
-      <p:sp>
-        <p:nvSpPr>
-          <p:cNvPr id="10" name="Rectangle 9">
-            <a:extLst>
-              <a:ext uri="{FF2B5EF4-FFF2-40B4-BE49-F238E27FC236}">
-                <a16:creationId xmlns:a16="http://schemas.microsoft.com/office/drawing/2014/main" id="{EA8CF0DC-D23A-4CA2-8463-27F89928349F}"/>
-              </a:ext>
-              <a:ext uri="{C183D7F6-B498-43B3-948B-1728B52AA6E4}">
-                <adec:decorative xmlns:adec="http://schemas.microsoft.com/office/drawing/2017/decorative" val="1"/>
-              </a:ext>
-            </a:extLst>
-          </p:cNvPr>
-          <p:cNvSpPr>
-            <a:spLocks noGrp="1" noRot="1" noChangeAspect="1" noMove="1" noResize="1" noEditPoints="1" noAdjustHandles="1" noChangeArrowheads="1" noChangeShapeType="1" noTextEdit="1"/>
-          </p:cNvSpPr>
-          <p:nvPr>
-            <p:extLst>
-              <p:ext uri="{386F3935-93C4-4BCD-93E2-E3B085C9AB24}">
-                <p16:designElem xmlns:p16="http://schemas.microsoft.com/office/powerpoint/2015/main" val="1"/>
-              </p:ext>
-            </p:extLst>
-          </p:nvPr>
-        </p:nvSpPr>
-        <p:spPr>
-          <a:xfrm>
-            <a:off x="0" y="0"/>
-            <a:ext cx="12192000" cy="6858000"/>
-          </a:xfrm>
-          <a:prstGeom prst="rect">
-            <a:avLst/>
-          </a:prstGeom>
-          <a:solidFill>
-            <a:srgbClr val="82766A">
-              <a:alpha val="15000"/>
-            </a:srgbClr>
-          </a:solidFill>
-          <a:ln w="12700" cap="flat" cmpd="sng" algn="ctr">
-            <a:noFill/>
-            <a:prstDash val="solid"/>
-            <a:miter lim="800000"/>
-          </a:ln>
-          <a:effectLst/>
-        </p:spPr>
-        <p:style>
-          <a:lnRef idx="2">
-            <a:schemeClr val="accent1">
-              <a:shade val="50000"/>
-            </a:schemeClr>
-          </a:lnRef>
-          <a:fillRef idx="1">
-            <a:schemeClr val="accent1"/>
-          </a:fillRef>
-          <a:effectRef idx="0">
-            <a:schemeClr val="accent1"/>
-          </a:effectRef>
-          <a:fontRef idx="minor">
-            <a:schemeClr val="lt1"/>
-          </a:fontRef>
-        </p:style>
-        <p:txBody>
-          <a:bodyPr rtlCol="0" anchor="ctr"/>
-          <a:lstStyle/>
-          <a:p>
-            <a:pPr algn="ctr"/>
-            <a:endParaRPr lang="en-US"/>
-          </a:p>
-        </p:txBody>
-      </p:sp>
-      <p:sp useBgFill="1">
-        <p:nvSpPr>
-          <p:cNvPr id="12" name="Freeform: Shape 11">
-            <a:extLst>
-              <a:ext uri="{FF2B5EF4-FFF2-40B4-BE49-F238E27FC236}">
-                <a16:creationId xmlns:a16="http://schemas.microsoft.com/office/drawing/2014/main" id="{B8A381C4-0C0D-491F-90D8-63CF760B459B}"/>
-              </a:ext>
-              <a:ext uri="{C183D7F6-B498-43B3-948B-1728B52AA6E4}">
-                <adec:decorative xmlns:adec="http://schemas.microsoft.com/office/drawing/2017/decorative" val="1"/>
-              </a:ext>
-            </a:extLst>
-          </p:cNvPr>
-          <p:cNvSpPr>
-            <a:spLocks noGrp="1" noRot="1" noChangeAspect="1" noMove="1" noResize="1" noEditPoints="1" noAdjustHandles="1" noChangeArrowheads="1" noChangeShapeType="1" noTextEdit="1"/>
-          </p:cNvSpPr>
-          <p:nvPr>
-            <p:extLst>
-              <p:ext uri="{386F3935-93C4-4BCD-93E2-E3B085C9AB24}">
-                <p16:designElem xmlns:p16="http://schemas.microsoft.com/office/powerpoint/2015/main" val="1"/>
-              </p:ext>
-            </p:extLst>
-          </p:nvPr>
-        </p:nvSpPr>
-        <p:spPr>
-          <a:xfrm rot="195698">
-            <a:off x="-195643" y="67946"/>
-            <a:ext cx="6408310" cy="6912725"/>
-          </a:xfrm>
-          <a:custGeom>
-            <a:avLst/>
-            <a:gdLst>
-              <a:gd name="connsiteX0" fmla="*/ 0 w 6408310"/>
-              <a:gd name="connsiteY0" fmla="*/ 108934 h 6912725"/>
-              <a:gd name="connsiteX1" fmla="*/ 1911522 w 6408310"/>
-              <a:gd name="connsiteY1" fmla="*/ 0 h 6912725"/>
-              <a:gd name="connsiteX2" fmla="*/ 1916026 w 6408310"/>
-              <a:gd name="connsiteY2" fmla="*/ 4704 h 6912725"/>
-              <a:gd name="connsiteX3" fmla="*/ 1911112 w 6408310"/>
-              <a:gd name="connsiteY3" fmla="*/ 17418 h 6912725"/>
-              <a:gd name="connsiteX4" fmla="*/ 1972871 w 6408310"/>
-              <a:gd name="connsiteY4" fmla="*/ 72530 h 6912725"/>
-              <a:gd name="connsiteX5" fmla="*/ 2069180 w 6408310"/>
-              <a:gd name="connsiteY5" fmla="*/ 173199 h 6912725"/>
-              <a:gd name="connsiteX6" fmla="*/ 2131569 w 6408310"/>
-              <a:gd name="connsiteY6" fmla="*/ 227805 h 6912725"/>
-              <a:gd name="connsiteX7" fmla="*/ 2162747 w 6408310"/>
-              <a:gd name="connsiteY7" fmla="*/ 239714 h 6912725"/>
-              <a:gd name="connsiteX8" fmla="*/ 2220499 w 6408310"/>
-              <a:gd name="connsiteY8" fmla="*/ 289903 h 6912725"/>
-              <a:gd name="connsiteX9" fmla="*/ 2381978 w 6408310"/>
-              <a:gd name="connsiteY9" fmla="*/ 391093 h 6912725"/>
-              <a:gd name="connsiteX10" fmla="*/ 2445910 w 6408310"/>
-              <a:gd name="connsiteY10" fmla="*/ 463815 h 6912725"/>
-              <a:gd name="connsiteX11" fmla="*/ 2531236 w 6408310"/>
-              <a:gd name="connsiteY11" fmla="*/ 600817 h 6912725"/>
-              <a:gd name="connsiteX12" fmla="*/ 2617149 w 6408310"/>
-              <a:gd name="connsiteY12" fmla="*/ 703748 h 6912725"/>
-              <a:gd name="connsiteX13" fmla="*/ 2650333 w 6408310"/>
-              <a:gd name="connsiteY13" fmla="*/ 720900 h 6912725"/>
-              <a:gd name="connsiteX14" fmla="*/ 2705541 w 6408310"/>
-              <a:gd name="connsiteY14" fmla="*/ 750090 h 6912725"/>
-              <a:gd name="connsiteX15" fmla="*/ 2757210 w 6408310"/>
-              <a:gd name="connsiteY15" fmla="*/ 789489 h 6912725"/>
-              <a:gd name="connsiteX16" fmla="*/ 2791660 w 6408310"/>
-              <a:gd name="connsiteY16" fmla="*/ 816041 h 6912725"/>
-              <a:gd name="connsiteX17" fmla="*/ 2840975 w 6408310"/>
-              <a:gd name="connsiteY17" fmla="*/ 842225 h 6912725"/>
-              <a:gd name="connsiteX18" fmla="*/ 2917970 w 6408310"/>
-              <a:gd name="connsiteY18" fmla="*/ 879392 h 6912725"/>
-              <a:gd name="connsiteX19" fmla="*/ 2957236 w 6408310"/>
-              <a:gd name="connsiteY19" fmla="*/ 906835 h 6912725"/>
-              <a:gd name="connsiteX20" fmla="*/ 3117215 w 6408310"/>
-              <a:gd name="connsiteY20" fmla="*/ 1073714 h 6912725"/>
-              <a:gd name="connsiteX21" fmla="*/ 3250958 w 6408310"/>
-              <a:gd name="connsiteY21" fmla="*/ 1130397 h 6912725"/>
-              <a:gd name="connsiteX22" fmla="*/ 3496717 w 6408310"/>
-              <a:gd name="connsiteY22" fmla="*/ 1260412 h 6912725"/>
-              <a:gd name="connsiteX23" fmla="*/ 3494992 w 6408310"/>
-              <a:gd name="connsiteY23" fmla="*/ 1268283 h 6912725"/>
-              <a:gd name="connsiteX24" fmla="*/ 3508993 w 6408310"/>
-              <a:gd name="connsiteY24" fmla="*/ 1287737 h 6912725"/>
-              <a:gd name="connsiteX25" fmla="*/ 3512115 w 6408310"/>
-              <a:gd name="connsiteY25" fmla="*/ 1288544 h 6912725"/>
-              <a:gd name="connsiteX26" fmla="*/ 3548697 w 6408310"/>
-              <a:gd name="connsiteY26" fmla="*/ 1363739 h 6912725"/>
-              <a:gd name="connsiteX27" fmla="*/ 3656567 w 6408310"/>
-              <a:gd name="connsiteY27" fmla="*/ 1479533 h 6912725"/>
-              <a:gd name="connsiteX28" fmla="*/ 3661987 w 6408310"/>
-              <a:gd name="connsiteY28" fmla="*/ 1491779 h 6912725"/>
-              <a:gd name="connsiteX29" fmla="*/ 3667389 w 6408310"/>
-              <a:gd name="connsiteY29" fmla="*/ 1495409 h 6912725"/>
-              <a:gd name="connsiteX30" fmla="*/ 3800461 w 6408310"/>
-              <a:gd name="connsiteY30" fmla="*/ 1696689 h 6912725"/>
-              <a:gd name="connsiteX31" fmla="*/ 3933737 w 6408310"/>
-              <a:gd name="connsiteY31" fmla="*/ 1853325 h 6912725"/>
-              <a:gd name="connsiteX32" fmla="*/ 3946446 w 6408310"/>
-              <a:gd name="connsiteY32" fmla="*/ 1903446 h 6912725"/>
-              <a:gd name="connsiteX33" fmla="*/ 3960581 w 6408310"/>
-              <a:gd name="connsiteY33" fmla="*/ 1913244 h 6912725"/>
-              <a:gd name="connsiteX34" fmla="*/ 4015111 w 6408310"/>
-              <a:gd name="connsiteY34" fmla="*/ 1956512 h 6912725"/>
-              <a:gd name="connsiteX35" fmla="*/ 4070740 w 6408310"/>
-              <a:gd name="connsiteY35" fmla="*/ 1999693 h 6912725"/>
-              <a:gd name="connsiteX36" fmla="*/ 4091495 w 6408310"/>
-              <a:gd name="connsiteY36" fmla="*/ 2064313 h 6912725"/>
-              <a:gd name="connsiteX37" fmla="*/ 4118353 w 6408310"/>
-              <a:gd name="connsiteY37" fmla="*/ 2073901 h 6912725"/>
-              <a:gd name="connsiteX38" fmla="*/ 4123293 w 6408310"/>
-              <a:gd name="connsiteY38" fmla="*/ 2075261 h 6912725"/>
-              <a:gd name="connsiteX39" fmla="*/ 4166582 w 6408310"/>
-              <a:gd name="connsiteY39" fmla="*/ 2120685 h 6912725"/>
-              <a:gd name="connsiteX40" fmla="*/ 4213721 w 6408310"/>
-              <a:gd name="connsiteY40" fmla="*/ 2168493 h 6912725"/>
-              <a:gd name="connsiteX41" fmla="*/ 4250795 w 6408310"/>
-              <a:gd name="connsiteY41" fmla="*/ 2261746 h 6912725"/>
-              <a:gd name="connsiteX42" fmla="*/ 4295408 w 6408310"/>
-              <a:gd name="connsiteY42" fmla="*/ 2340515 h 6912725"/>
-              <a:gd name="connsiteX43" fmla="*/ 4318976 w 6408310"/>
-              <a:gd name="connsiteY43" fmla="*/ 2371504 h 6912725"/>
-              <a:gd name="connsiteX44" fmla="*/ 4323314 w 6408310"/>
-              <a:gd name="connsiteY44" fmla="*/ 2378166 h 6912725"/>
-              <a:gd name="connsiteX45" fmla="*/ 4323235 w 6408310"/>
-              <a:gd name="connsiteY45" fmla="*/ 2378475 h 6912725"/>
-              <a:gd name="connsiteX46" fmla="*/ 4327479 w 6408310"/>
-              <a:gd name="connsiteY46" fmla="*/ 2385858 h 6912725"/>
-              <a:gd name="connsiteX47" fmla="*/ 4331226 w 6408310"/>
-              <a:gd name="connsiteY47" fmla="*/ 2390318 h 6912725"/>
-              <a:gd name="connsiteX48" fmla="*/ 4339643 w 6408310"/>
-              <a:gd name="connsiteY48" fmla="*/ 2403246 h 6912725"/>
-              <a:gd name="connsiteX49" fmla="*/ 4341435 w 6408310"/>
-              <a:gd name="connsiteY49" fmla="*/ 2408870 h 6912725"/>
-              <a:gd name="connsiteX50" fmla="*/ 4340548 w 6408310"/>
-              <a:gd name="connsiteY50" fmla="*/ 2412798 h 6912725"/>
-              <a:gd name="connsiteX51" fmla="*/ 4351634 w 6408310"/>
-              <a:gd name="connsiteY51" fmla="*/ 2443869 h 6912725"/>
-              <a:gd name="connsiteX52" fmla="*/ 4380688 w 6408310"/>
-              <a:gd name="connsiteY52" fmla="*/ 2504819 h 6912725"/>
-              <a:gd name="connsiteX53" fmla="*/ 4399892 w 6408310"/>
-              <a:gd name="connsiteY53" fmla="*/ 2537002 h 6912725"/>
-              <a:gd name="connsiteX54" fmla="*/ 4449690 w 6408310"/>
-              <a:gd name="connsiteY54" fmla="*/ 2628144 h 6912725"/>
-              <a:gd name="connsiteX55" fmla="*/ 4512427 w 6408310"/>
-              <a:gd name="connsiteY55" fmla="*/ 2840755 h 6912725"/>
-              <a:gd name="connsiteX56" fmla="*/ 4591091 w 6408310"/>
-              <a:gd name="connsiteY56" fmla="*/ 3036586 h 6912725"/>
-              <a:gd name="connsiteX57" fmla="*/ 4757297 w 6408310"/>
-              <a:gd name="connsiteY57" fmla="*/ 3388741 h 6912725"/>
-              <a:gd name="connsiteX58" fmla="*/ 4755264 w 6408310"/>
-              <a:gd name="connsiteY58" fmla="*/ 3461211 h 6912725"/>
-              <a:gd name="connsiteX59" fmla="*/ 4776842 w 6408310"/>
-              <a:gd name="connsiteY59" fmla="*/ 3503606 h 6912725"/>
-              <a:gd name="connsiteX60" fmla="*/ 4815953 w 6408310"/>
-              <a:gd name="connsiteY60" fmla="*/ 3543897 h 6912725"/>
-              <a:gd name="connsiteX61" fmla="*/ 4826382 w 6408310"/>
-              <a:gd name="connsiteY61" fmla="*/ 3589602 h 6912725"/>
-              <a:gd name="connsiteX62" fmla="*/ 4900664 w 6408310"/>
-              <a:gd name="connsiteY62" fmla="*/ 3697326 h 6912725"/>
-              <a:gd name="connsiteX63" fmla="*/ 4944717 w 6408310"/>
-              <a:gd name="connsiteY63" fmla="*/ 3795461 h 6912725"/>
-              <a:gd name="connsiteX64" fmla="*/ 4981260 w 6408310"/>
-              <a:gd name="connsiteY64" fmla="*/ 3887734 h 6912725"/>
-              <a:gd name="connsiteX65" fmla="*/ 5000423 w 6408310"/>
-              <a:gd name="connsiteY65" fmla="*/ 3933089 h 6912725"/>
-              <a:gd name="connsiteX66" fmla="*/ 5033013 w 6408310"/>
-              <a:gd name="connsiteY66" fmla="*/ 3937041 h 6912725"/>
-              <a:gd name="connsiteX67" fmla="*/ 5081597 w 6408310"/>
-              <a:gd name="connsiteY67" fmla="*/ 4013154 h 6912725"/>
-              <a:gd name="connsiteX68" fmla="*/ 5088052 w 6408310"/>
-              <a:gd name="connsiteY68" fmla="*/ 4027525 h 6912725"/>
-              <a:gd name="connsiteX69" fmla="*/ 5189054 w 6408310"/>
-              <a:gd name="connsiteY69" fmla="*/ 4098668 h 6912725"/>
-              <a:gd name="connsiteX70" fmla="*/ 5228545 w 6408310"/>
-              <a:gd name="connsiteY70" fmla="*/ 4146658 h 6912725"/>
-              <a:gd name="connsiteX71" fmla="*/ 5268336 w 6408310"/>
-              <a:gd name="connsiteY71" fmla="*/ 4194504 h 6912725"/>
-              <a:gd name="connsiteX72" fmla="*/ 5317950 w 6408310"/>
-              <a:gd name="connsiteY72" fmla="*/ 4267325 h 6912725"/>
-              <a:gd name="connsiteX73" fmla="*/ 5598270 w 6408310"/>
-              <a:gd name="connsiteY73" fmla="*/ 4563876 h 6912725"/>
-              <a:gd name="connsiteX74" fmla="*/ 5833068 w 6408310"/>
-              <a:gd name="connsiteY74" fmla="*/ 5016605 h 6912725"/>
-              <a:gd name="connsiteX75" fmla="*/ 6045916 w 6408310"/>
-              <a:gd name="connsiteY75" fmla="*/ 5405287 h 6912725"/>
-              <a:gd name="connsiteX76" fmla="*/ 6117737 w 6408310"/>
-              <a:gd name="connsiteY76" fmla="*/ 5538137 h 6912725"/>
-              <a:gd name="connsiteX77" fmla="*/ 6144230 w 6408310"/>
-              <a:gd name="connsiteY77" fmla="*/ 5635151 h 6912725"/>
-              <a:gd name="connsiteX78" fmla="*/ 6176742 w 6408310"/>
-              <a:gd name="connsiteY78" fmla="*/ 5809044 h 6912725"/>
-              <a:gd name="connsiteX79" fmla="*/ 6245199 w 6408310"/>
-              <a:gd name="connsiteY79" fmla="*/ 6038018 h 6912725"/>
-              <a:gd name="connsiteX80" fmla="*/ 6303931 w 6408310"/>
-              <a:gd name="connsiteY80" fmla="*/ 6175618 h 6912725"/>
-              <a:gd name="connsiteX81" fmla="*/ 6336313 w 6408310"/>
-              <a:gd name="connsiteY81" fmla="*/ 6345837 h 6912725"/>
-              <a:gd name="connsiteX82" fmla="*/ 6401195 w 6408310"/>
-              <a:gd name="connsiteY82" fmla="*/ 6542084 h 6912725"/>
-              <a:gd name="connsiteX83" fmla="*/ 6408310 w 6408310"/>
-              <a:gd name="connsiteY83" fmla="*/ 6612865 h 6912725"/>
-              <a:gd name="connsiteX84" fmla="*/ 1146484 w 6408310"/>
-              <a:gd name="connsiteY84" fmla="*/ 6912725 h 6912725"/>
-              <a:gd name="connsiteX85" fmla="*/ 1108438 w 6408310"/>
-              <a:gd name="connsiteY85" fmla="*/ 6825083 h 6912725"/>
-              <a:gd name="connsiteX86" fmla="*/ 997867 w 6408310"/>
-              <a:gd name="connsiteY86" fmla="*/ 6378703 h 6912725"/>
-              <a:gd name="connsiteX87" fmla="*/ 858750 w 6408310"/>
-              <a:gd name="connsiteY87" fmla="*/ 5923784 h 6912725"/>
-              <a:gd name="connsiteX88" fmla="*/ 860408 w 6408310"/>
-              <a:gd name="connsiteY88" fmla="*/ 5860728 h 6912725"/>
-              <a:gd name="connsiteX89" fmla="*/ 853644 w 6408310"/>
-              <a:gd name="connsiteY89" fmla="*/ 5771381 h 6912725"/>
-              <a:gd name="connsiteX90" fmla="*/ 852164 w 6408310"/>
-              <a:gd name="connsiteY90" fmla="*/ 5615193 h 6912725"/>
-              <a:gd name="connsiteX91" fmla="*/ 831986 w 6408310"/>
-              <a:gd name="connsiteY91" fmla="*/ 5402745 h 6912725"/>
-              <a:gd name="connsiteX92" fmla="*/ 759590 w 6408310"/>
-              <a:gd name="connsiteY92" fmla="*/ 5239800 h 6912725"/>
-              <a:gd name="connsiteX93" fmla="*/ 767251 w 6408310"/>
-              <a:gd name="connsiteY93" fmla="*/ 5227414 h 6912725"/>
-              <a:gd name="connsiteX94" fmla="*/ 745427 w 6408310"/>
-              <a:gd name="connsiteY94" fmla="*/ 5118958 h 6912725"/>
-              <a:gd name="connsiteX95" fmla="*/ 635950 w 6408310"/>
-              <a:gd name="connsiteY95" fmla="*/ 4788294 h 6912725"/>
-              <a:gd name="connsiteX96" fmla="*/ 558787 w 6408310"/>
-              <a:gd name="connsiteY96" fmla="*/ 4518070 h 6912725"/>
-              <a:gd name="connsiteX97" fmla="*/ 555530 w 6408310"/>
-              <a:gd name="connsiteY97" fmla="*/ 4444433 h 6912725"/>
-              <a:gd name="connsiteX98" fmla="*/ 549378 w 6408310"/>
-              <a:gd name="connsiteY98" fmla="*/ 4320965 h 6912725"/>
-              <a:gd name="connsiteX99" fmla="*/ 572361 w 6408310"/>
-              <a:gd name="connsiteY99" fmla="*/ 4232369 h 6912725"/>
-              <a:gd name="connsiteX100" fmla="*/ 556288 w 6408310"/>
-              <a:gd name="connsiteY100" fmla="*/ 4127673 h 6912725"/>
-              <a:gd name="connsiteX101" fmla="*/ 506660 w 6408310"/>
-              <a:gd name="connsiteY101" fmla="*/ 3821119 h 6912725"/>
-              <a:gd name="connsiteX102" fmla="*/ 494791 w 6408310"/>
-              <a:gd name="connsiteY102" fmla="*/ 3723556 h 6912725"/>
-              <a:gd name="connsiteX103" fmla="*/ 490230 w 6408310"/>
-              <a:gd name="connsiteY103" fmla="*/ 3508893 h 6912725"/>
-              <a:gd name="connsiteX104" fmla="*/ 484223 w 6408310"/>
-              <a:gd name="connsiteY104" fmla="*/ 3233179 h 6912725"/>
-              <a:gd name="connsiteX105" fmla="*/ 460329 w 6408310"/>
-              <a:gd name="connsiteY105" fmla="*/ 3041244 h 6912725"/>
-              <a:gd name="connsiteX106" fmla="*/ 407197 w 6408310"/>
-              <a:gd name="connsiteY106" fmla="*/ 2812292 h 6912725"/>
-              <a:gd name="connsiteX107" fmla="*/ 386122 w 6408310"/>
-              <a:gd name="connsiteY107" fmla="*/ 2757841 h 6912725"/>
-              <a:gd name="connsiteX108" fmla="*/ 363684 w 6408310"/>
-              <a:gd name="connsiteY108" fmla="*/ 2714608 h 6912725"/>
-              <a:gd name="connsiteX109" fmla="*/ 330746 w 6408310"/>
-              <a:gd name="connsiteY109" fmla="*/ 2625146 h 6912725"/>
-              <a:gd name="connsiteX110" fmla="*/ 299927 w 6408310"/>
-              <a:gd name="connsiteY110" fmla="*/ 2566177 h 6912725"/>
-              <a:gd name="connsiteX111" fmla="*/ 288272 w 6408310"/>
-              <a:gd name="connsiteY111" fmla="*/ 2439923 h 6912725"/>
-              <a:gd name="connsiteX112" fmla="*/ 233611 w 6408310"/>
-              <a:gd name="connsiteY112" fmla="*/ 2326248 h 6912725"/>
-              <a:gd name="connsiteX113" fmla="*/ 115057 w 6408310"/>
-              <a:gd name="connsiteY113" fmla="*/ 2127916 h 6912725"/>
-            </a:gdLst>
-            <a:ahLst/>
-            <a:cxnLst>
-              <a:cxn ang="0">
-                <a:pos x="connsiteX0" y="connsiteY0"/>
-              </a:cxn>
-              <a:cxn ang="0">
-                <a:pos x="connsiteX1" y="connsiteY1"/>
-              </a:cxn>
-              <a:cxn ang="0">
-                <a:pos x="connsiteX2" y="connsiteY2"/>
-              </a:cxn>
-              <a:cxn ang="0">
-                <a:pos x="connsiteX3" y="connsiteY3"/>
-              </a:cxn>
-              <a:cxn ang="0">
-                <a:pos x="connsiteX4" y="connsiteY4"/>
-              </a:cxn>
-              <a:cxn ang="0">
-                <a:pos x="connsiteX5" y="connsiteY5"/>
-              </a:cxn>
-              <a:cxn ang="0">
-                <a:pos x="connsiteX6" y="connsiteY6"/>
-              </a:cxn>
-              <a:cxn ang="0">
-                <a:pos x="connsiteX7" y="connsiteY7"/>
-              </a:cxn>
-              <a:cxn ang="0">
-                <a:pos x="connsiteX8" y="connsiteY8"/>
-              </a:cxn>
-              <a:cxn ang="0">
-                <a:pos x="connsiteX9" y="connsiteY9"/>
-              </a:cxn>
-              <a:cxn ang="0">
-                <a:pos x="connsiteX10" y="connsiteY10"/>
-              </a:cxn>
-              <a:cxn ang="0">
-                <a:pos x="connsiteX11" y="connsiteY11"/>
-              </a:cxn>
-              <a:cxn ang="0">
-                <a:pos x="connsiteX12" y="connsiteY12"/>
-              </a:cxn>
-              <a:cxn ang="0">
-                <a:pos x="connsiteX13" y="connsiteY13"/>
-              </a:cxn>
-              <a:cxn ang="0">
-                <a:pos x="connsiteX14" y="connsiteY14"/>
-              </a:cxn>
-              <a:cxn ang="0">
-                <a:pos x="connsiteX15" y="connsiteY15"/>
-              </a:cxn>
-              <a:cxn ang="0">
-                <a:pos x="connsiteX16" y="connsiteY16"/>
-              </a:cxn>
-              <a:cxn ang="0">
-                <a:pos x="connsiteX17" y="connsiteY17"/>
-              </a:cxn>
-              <a:cxn ang="0">
-                <a:pos x="connsiteX18" y="connsiteY18"/>
-              </a:cxn>
-              <a:cxn ang="0">
-                <a:pos x="connsiteX19" y="connsiteY19"/>
-              </a:cxn>
-              <a:cxn ang="0">
-                <a:pos x="connsiteX20" y="connsiteY20"/>
-              </a:cxn>
-              <a:cxn ang="0">
-                <a:pos x="connsiteX21" y="connsiteY21"/>
-              </a:cxn>
-              <a:cxn ang="0">
-                <a:pos x="connsiteX22" y="connsiteY22"/>
-              </a:cxn>
-              <a:cxn ang="0">
-                <a:pos x="connsiteX23" y="connsiteY23"/>
-              </a:cxn>
-              <a:cxn ang="0">
-                <a:pos x="connsiteX24" y="connsiteY24"/>
-              </a:cxn>
-              <a:cxn ang="0">
-                <a:pos x="connsiteX25" y="connsiteY25"/>
-              </a:cxn>
-              <a:cxn ang="0">
-                <a:pos x="connsiteX26" y="connsiteY26"/>
-              </a:cxn>
-              <a:cxn ang="0">
-                <a:pos x="connsiteX27" y="connsiteY27"/>
-              </a:cxn>
-              <a:cxn ang="0">
-                <a:pos x="connsiteX28" y="connsiteY28"/>
-              </a:cxn>
-              <a:cxn ang="0">
-                <a:pos x="connsiteX29" y="connsiteY29"/>
-              </a:cxn>
-              <a:cxn ang="0">
-                <a:pos x="connsiteX30" y="connsiteY30"/>
-              </a:cxn>
-              <a:cxn ang="0">
-                <a:pos x="connsiteX31" y="connsiteY31"/>
-              </a:cxn>
-              <a:cxn ang="0">
-                <a:pos x="connsiteX32" y="connsiteY32"/>
-              </a:cxn>
-              <a:cxn ang="0">
-                <a:pos x="connsiteX33" y="connsiteY33"/>
-              </a:cxn>
-              <a:cxn ang="0">
-                <a:pos x="connsiteX34" y="connsiteY34"/>
-              </a:cxn>
-              <a:cxn ang="0">
-                <a:pos x="connsiteX35" y="connsiteY35"/>
-              </a:cxn>
-              <a:cxn ang="0">
-                <a:pos x="connsiteX36" y="connsiteY36"/>
-              </a:cxn>
-              <a:cxn ang="0">
-                <a:pos x="connsiteX37" y="connsiteY37"/>
-              </a:cxn>
-              <a:cxn ang="0">
-                <a:pos x="connsiteX38" y="connsiteY38"/>
-              </a:cxn>
-              <a:cxn ang="0">
-                <a:pos x="connsiteX39" y="connsiteY39"/>
-              </a:cxn>
-              <a:cxn ang="0">
-                <a:pos x="connsiteX40" y="connsiteY40"/>
-              </a:cxn>
-              <a:cxn ang="0">
-                <a:pos x="connsiteX41" y="connsiteY41"/>
-              </a:cxn>
-              <a:cxn ang="0">
-                <a:pos x="connsiteX42" y="connsiteY42"/>
-              </a:cxn>
-              <a:cxn ang="0">
-                <a:pos x="connsiteX43" y="connsiteY43"/>
-              </a:cxn>
-              <a:cxn ang="0">
-                <a:pos x="connsiteX44" y="connsiteY44"/>
-              </a:cxn>
-              <a:cxn ang="0">
-                <a:pos x="connsiteX45" y="connsiteY45"/>
-              </a:cxn>
-              <a:cxn ang="0">
-                <a:pos x="connsiteX46" y="connsiteY46"/>
-              </a:cxn>
-              <a:cxn ang="0">
-                <a:pos x="connsiteX47" y="connsiteY47"/>
-              </a:cxn>
-              <a:cxn ang="0">
-                <a:pos x="connsiteX48" y="connsiteY48"/>
-              </a:cxn>
-              <a:cxn ang="0">
-                <a:pos x="connsiteX49" y="connsiteY49"/>
-              </a:cxn>
-              <a:cxn ang="0">
-                <a:pos x="connsiteX50" y="connsiteY50"/>
-              </a:cxn>
-              <a:cxn ang="0">
-                <a:pos x="connsiteX51" y="connsiteY51"/>
-              </a:cxn>
-              <a:cxn ang="0">
-                <a:pos x="connsiteX52" y="connsiteY52"/>
-              </a:cxn>
-              <a:cxn ang="0">
-                <a:pos x="connsiteX53" y="connsiteY53"/>
-              </a:cxn>
-              <a:cxn ang="0">
-                <a:pos x="connsiteX54" y="connsiteY54"/>
-              </a:cxn>
-              <a:cxn ang="0">
-                <a:pos x="connsiteX55" y="connsiteY55"/>
-              </a:cxn>
-              <a:cxn ang="0">
-                <a:pos x="connsiteX56" y="connsiteY56"/>
-              </a:cxn>
-              <a:cxn ang="0">
-                <a:pos x="connsiteX57" y="connsiteY57"/>
-              </a:cxn>
-              <a:cxn ang="0">
-                <a:pos x="connsiteX58" y="connsiteY58"/>
-              </a:cxn>
-              <a:cxn ang="0">
-                <a:pos x="connsiteX59" y="connsiteY59"/>
-              </a:cxn>
-              <a:cxn ang="0">
-                <a:pos x="connsiteX60" y="connsiteY60"/>
-              </a:cxn>
-              <a:cxn ang="0">
-                <a:pos x="connsiteX61" y="connsiteY61"/>
-              </a:cxn>
-              <a:cxn ang="0">
-                <a:pos x="connsiteX62" y="connsiteY62"/>
-              </a:cxn>
-              <a:cxn ang="0">
-                <a:pos x="connsiteX63" y="connsiteY63"/>
-              </a:cxn>
-              <a:cxn ang="0">
-                <a:pos x="connsiteX64" y="connsiteY64"/>
-              </a:cxn>
-              <a:cxn ang="0">
-                <a:pos x="connsiteX65" y="connsiteY65"/>
-              </a:cxn>
-              <a:cxn ang="0">
-                <a:pos x="connsiteX66" y="connsiteY66"/>
-              </a:cxn>
-              <a:cxn ang="0">
-                <a:pos x="connsiteX67" y="connsiteY67"/>
-              </a:cxn>
-              <a:cxn ang="0">
-                <a:pos x="connsiteX68" y="connsiteY68"/>
-              </a:cxn>
-              <a:cxn ang="0">
-                <a:pos x="connsiteX69" y="connsiteY69"/>
-              </a:cxn>
-              <a:cxn ang="0">
-                <a:pos x="connsiteX70" y="connsiteY70"/>
-              </a:cxn>
-              <a:cxn ang="0">
-                <a:pos x="connsiteX71" y="connsiteY71"/>
-              </a:cxn>
-              <a:cxn ang="0">
-                <a:pos x="connsiteX72" y="connsiteY72"/>
-              </a:cxn>
-              <a:cxn ang="0">
-                <a:pos x="connsiteX73" y="connsiteY73"/>
-              </a:cxn>
-              <a:cxn ang="0">
-                <a:pos x="connsiteX74" y="connsiteY74"/>
-              </a:cxn>
-              <a:cxn ang="0">
-                <a:pos x="connsiteX75" y="connsiteY75"/>
-              </a:cxn>
-              <a:cxn ang="0">
-                <a:pos x="connsiteX76" y="connsiteY76"/>
-              </a:cxn>
-              <a:cxn ang="0">
-                <a:pos x="connsiteX77" y="connsiteY77"/>
-              </a:cxn>
-              <a:cxn ang="0">
-                <a:pos x="connsiteX78" y="connsiteY78"/>
-              </a:cxn>
-              <a:cxn ang="0">
-                <a:pos x="connsiteX79" y="connsiteY79"/>
-              </a:cxn>
-              <a:cxn ang="0">
-                <a:pos x="connsiteX80" y="connsiteY80"/>
-              </a:cxn>
-              <a:cxn ang="0">
-                <a:pos x="connsiteX81" y="connsiteY81"/>
-              </a:cxn>
-              <a:cxn ang="0">
-                <a:pos x="connsiteX82" y="connsiteY82"/>
-              </a:cxn>
-              <a:cxn ang="0">
-                <a:pos x="connsiteX83" y="connsiteY83"/>
-              </a:cxn>
-              <a:cxn ang="0">
-                <a:pos x="connsiteX84" y="connsiteY84"/>
-              </a:cxn>
-              <a:cxn ang="0">
-                <a:pos x="connsiteX85" y="connsiteY85"/>
-              </a:cxn>
-              <a:cxn ang="0">
-                <a:pos x="connsiteX86" y="connsiteY86"/>
-              </a:cxn>
-              <a:cxn ang="0">
-                <a:pos x="connsiteX87" y="connsiteY87"/>
-              </a:cxn>
-              <a:cxn ang="0">
-                <a:pos x="connsiteX88" y="connsiteY88"/>
-              </a:cxn>
-              <a:cxn ang="0">
-                <a:pos x="connsiteX89" y="connsiteY89"/>
-              </a:cxn>
-              <a:cxn ang="0">
-                <a:pos x="connsiteX90" y="connsiteY90"/>
-              </a:cxn>
-              <a:cxn ang="0">
-                <a:pos x="connsiteX91" y="connsiteY91"/>
-              </a:cxn>
-              <a:cxn ang="0">
-                <a:pos x="connsiteX92" y="connsiteY92"/>
-              </a:cxn>
-              <a:cxn ang="0">
-                <a:pos x="connsiteX93" y="connsiteY93"/>
-              </a:cxn>
-              <a:cxn ang="0">
-                <a:pos x="connsiteX94" y="connsiteY94"/>
-              </a:cxn>
-              <a:cxn ang="0">
-                <a:pos x="connsiteX95" y="connsiteY95"/>
-              </a:cxn>
-              <a:cxn ang="0">
-                <a:pos x="connsiteX96" y="connsiteY96"/>
-              </a:cxn>
-              <a:cxn ang="0">
-                <a:pos x="connsiteX97" y="connsiteY97"/>
-              </a:cxn>
-              <a:cxn ang="0">
-                <a:pos x="connsiteX98" y="connsiteY98"/>
-              </a:cxn>
-              <a:cxn ang="0">
-                <a:pos x="connsiteX99" y="connsiteY99"/>
-              </a:cxn>
-              <a:cxn ang="0">
-                <a:pos x="connsiteX100" y="connsiteY100"/>
-              </a:cxn>
-              <a:cxn ang="0">
-                <a:pos x="connsiteX101" y="connsiteY101"/>
-              </a:cxn>
-              <a:cxn ang="0">
-                <a:pos x="connsiteX102" y="connsiteY102"/>
-              </a:cxn>
-              <a:cxn ang="0">
-                <a:pos x="connsiteX103" y="connsiteY103"/>
-              </a:cxn>
-              <a:cxn ang="0">
-                <a:pos x="connsiteX104" y="connsiteY104"/>
-              </a:cxn>
-              <a:cxn ang="0">
-                <a:pos x="connsiteX105" y="connsiteY105"/>
-              </a:cxn>
-              <a:cxn ang="0">
-                <a:pos x="connsiteX106" y="connsiteY106"/>
-              </a:cxn>
-              <a:cxn ang="0">
-                <a:pos x="connsiteX107" y="connsiteY107"/>
-              </a:cxn>
-              <a:cxn ang="0">
-                <a:pos x="connsiteX108" y="connsiteY108"/>
-              </a:cxn>
-              <a:cxn ang="0">
-                <a:pos x="connsiteX109" y="connsiteY109"/>
-              </a:cxn>
-              <a:cxn ang="0">
-                <a:pos x="connsiteX110" y="connsiteY110"/>
-              </a:cxn>
-              <a:cxn ang="0">
-                <a:pos x="connsiteX111" y="connsiteY111"/>
-              </a:cxn>
-              <a:cxn ang="0">
-                <a:pos x="connsiteX112" y="connsiteY112"/>
-              </a:cxn>
-              <a:cxn ang="0">
-                <a:pos x="connsiteX113" y="connsiteY113"/>
-              </a:cxn>
-            </a:cxnLst>
-            <a:rect l="l" t="t" r="r" b="b"/>
-            <a:pathLst>
-              <a:path w="6408310" h="6912725">
-                <a:moveTo>
-                  <a:pt x="0" y="108934"/>
-                </a:moveTo>
-                <a:lnTo>
-                  <a:pt x="1911522" y="0"/>
-                </a:lnTo>
-                <a:lnTo>
-                  <a:pt x="1916026" y="4704"/>
-                </a:lnTo>
-                <a:cubicBezTo>
-                  <a:pt x="1916562" y="7914"/>
-                  <a:pt x="1915147" y="12061"/>
-                  <a:pt x="1911112" y="17418"/>
-                </a:cubicBezTo>
-                <a:cubicBezTo>
-                  <a:pt x="1943271" y="27853"/>
-                  <a:pt x="1947645" y="36373"/>
-                  <a:pt x="1972871" y="72530"/>
-                </a:cubicBezTo>
-                <a:cubicBezTo>
-                  <a:pt x="1980767" y="117667"/>
-                  <a:pt x="2061296" y="115435"/>
-                  <a:pt x="2069180" y="173199"/>
-                </a:cubicBezTo>
-                <a:cubicBezTo>
-                  <a:pt x="2075196" y="191586"/>
-                  <a:pt x="2112853" y="231006"/>
-                  <a:pt x="2131569" y="227805"/>
-                </a:cubicBezTo>
-                <a:cubicBezTo>
-                  <a:pt x="2141808" y="233828"/>
-                  <a:pt x="2146631" y="247405"/>
-                  <a:pt x="2162747" y="239714"/>
-                </a:cubicBezTo>
-                <a:cubicBezTo>
-                  <a:pt x="2183739" y="232191"/>
-                  <a:pt x="2206491" y="310465"/>
-                  <a:pt x="2220499" y="289903"/>
-                </a:cubicBezTo>
-                <a:cubicBezTo>
-                  <a:pt x="2257038" y="315132"/>
-                  <a:pt x="2344409" y="362107"/>
-                  <a:pt x="2381978" y="391093"/>
-                </a:cubicBezTo>
-                <a:cubicBezTo>
-                  <a:pt x="2419547" y="420079"/>
-                  <a:pt x="2445794" y="442621"/>
-                  <a:pt x="2445910" y="463815"/>
-                </a:cubicBezTo>
-                <a:cubicBezTo>
-                  <a:pt x="2462109" y="546053"/>
-                  <a:pt x="2496860" y="553382"/>
-                  <a:pt x="2531236" y="600817"/>
-                </a:cubicBezTo>
-                <a:cubicBezTo>
-                  <a:pt x="2573647" y="650501"/>
-                  <a:pt x="2589314" y="613369"/>
-                  <a:pt x="2617149" y="703748"/>
-                </a:cubicBezTo>
-                <a:cubicBezTo>
-                  <a:pt x="2635983" y="695546"/>
-                  <a:pt x="2643943" y="702017"/>
-                  <a:pt x="2650333" y="720900"/>
-                </a:cubicBezTo>
-                <a:cubicBezTo>
-                  <a:pt x="2671881" y="743975"/>
-                  <a:pt x="2701744" y="706344"/>
-                  <a:pt x="2705541" y="750090"/>
-                </a:cubicBezTo>
-                <a:cubicBezTo>
-                  <a:pt x="2730861" y="760850"/>
-                  <a:pt x="2742856" y="778498"/>
-                  <a:pt x="2757210" y="789489"/>
-                </a:cubicBezTo>
-                <a:cubicBezTo>
-                  <a:pt x="2776836" y="801882"/>
-                  <a:pt x="2774652" y="796949"/>
-                  <a:pt x="2791660" y="816041"/>
-                </a:cubicBezTo>
-                <a:cubicBezTo>
-                  <a:pt x="2815343" y="835699"/>
-                  <a:pt x="2784183" y="871086"/>
-                  <a:pt x="2840975" y="842225"/>
-                </a:cubicBezTo>
-                <a:cubicBezTo>
-                  <a:pt x="2854681" y="875427"/>
-                  <a:pt x="2877032" y="859395"/>
-                  <a:pt x="2917970" y="879392"/>
-                </a:cubicBezTo>
-                <a:cubicBezTo>
-                  <a:pt x="2921487" y="903353"/>
-                  <a:pt x="2937122" y="907916"/>
-                  <a:pt x="2957236" y="906835"/>
-                </a:cubicBezTo>
-                <a:lnTo>
-                  <a:pt x="3117215" y="1073714"/>
-                </a:lnTo>
-                <a:cubicBezTo>
-                  <a:pt x="3153906" y="1089285"/>
-                  <a:pt x="3232612" y="1124062"/>
-                  <a:pt x="3250958" y="1130397"/>
-                </a:cubicBezTo>
-                <a:cubicBezTo>
-                  <a:pt x="3409574" y="1172733"/>
-                  <a:pt x="3456045" y="1237431"/>
-                  <a:pt x="3496717" y="1260412"/>
-                </a:cubicBezTo>
-                <a:lnTo>
-                  <a:pt x="3494992" y="1268283"/>
-                </a:lnTo>
-                <a:cubicBezTo>
-                  <a:pt x="3495362" y="1274688"/>
-                  <a:pt x="3498760" y="1281160"/>
-                  <a:pt x="3508993" y="1287737"/>
-                </a:cubicBezTo>
-                <a:lnTo>
-                  <a:pt x="3512115" y="1288544"/>
-                </a:lnTo>
-                <a:lnTo>
-                  <a:pt x="3548697" y="1363739"/>
-                </a:lnTo>
-                <a:cubicBezTo>
-                  <a:pt x="3572773" y="1395571"/>
-                  <a:pt x="3623148" y="1421050"/>
-                  <a:pt x="3656567" y="1479533"/>
-                </a:cubicBezTo>
-                <a:lnTo>
-                  <a:pt x="3661987" y="1491779"/>
-                </a:lnTo>
-                <a:lnTo>
-                  <a:pt x="3667389" y="1495409"/>
-                </a:lnTo>
-                <a:lnTo>
-                  <a:pt x="3800461" y="1696689"/>
-                </a:lnTo>
-                <a:cubicBezTo>
-                  <a:pt x="3835546" y="1747791"/>
-                  <a:pt x="3913146" y="1811386"/>
-                  <a:pt x="3933737" y="1853325"/>
-                </a:cubicBezTo>
-                <a:lnTo>
-                  <a:pt x="3946446" y="1903446"/>
-                </a:lnTo>
-                <a:lnTo>
-                  <a:pt x="3960581" y="1913244"/>
-                </a:lnTo>
-                <a:cubicBezTo>
-                  <a:pt x="3979608" y="1926434"/>
-                  <a:pt x="3998210" y="1940240"/>
-                  <a:pt x="4015111" y="1956512"/>
-                </a:cubicBezTo>
-                <a:cubicBezTo>
-                  <a:pt x="4083226" y="1956238"/>
-                  <a:pt x="4031943" y="1969929"/>
-                  <a:pt x="4070740" y="1999693"/>
-                </a:cubicBezTo>
-                <a:cubicBezTo>
-                  <a:pt x="4027554" y="2022282"/>
-                  <a:pt x="4128681" y="2025600"/>
-                  <a:pt x="4091495" y="2064313"/>
-                </a:cubicBezTo>
-                <a:cubicBezTo>
-                  <a:pt x="4099733" y="2068504"/>
-                  <a:pt x="4108887" y="2071343"/>
-                  <a:pt x="4118353" y="2073901"/>
-                </a:cubicBezTo>
-                <a:lnTo>
-                  <a:pt x="4123293" y="2075261"/>
-                </a:lnTo>
-                <a:lnTo>
-                  <a:pt x="4166582" y="2120685"/>
-                </a:lnTo>
-                <a:lnTo>
-                  <a:pt x="4213721" y="2168493"/>
-                </a:lnTo>
-                <a:lnTo>
-                  <a:pt x="4250795" y="2261746"/>
-                </a:lnTo>
-                <a:lnTo>
-                  <a:pt x="4295408" y="2340515"/>
-                </a:lnTo>
-                <a:cubicBezTo>
-                  <a:pt x="4303294" y="2350172"/>
-                  <a:pt x="4311232" y="2360551"/>
-                  <a:pt x="4318976" y="2371504"/>
-                </a:cubicBezTo>
-                <a:lnTo>
-                  <a:pt x="4323314" y="2378166"/>
-                </a:lnTo>
-                <a:cubicBezTo>
-                  <a:pt x="4323288" y="2378269"/>
-                  <a:pt x="4323261" y="2378372"/>
-                  <a:pt x="4323235" y="2378475"/>
-                </a:cubicBezTo>
-                <a:cubicBezTo>
-                  <a:pt x="4323820" y="2380303"/>
-                  <a:pt x="4325112" y="2382633"/>
-                  <a:pt x="4327479" y="2385858"/>
-                </a:cubicBezTo>
-                <a:lnTo>
-                  <a:pt x="4331226" y="2390318"/>
-                </a:lnTo>
-                <a:lnTo>
-                  <a:pt x="4339643" y="2403246"/>
-                </a:lnTo>
-                <a:lnTo>
-                  <a:pt x="4341435" y="2408870"/>
-                </a:lnTo>
-                <a:lnTo>
-                  <a:pt x="4340548" y="2412798"/>
-                </a:lnTo>
-                <a:lnTo>
-                  <a:pt x="4351634" y="2443869"/>
-                </a:lnTo>
-                <a:cubicBezTo>
-                  <a:pt x="4370557" y="2458176"/>
-                  <a:pt x="4365119" y="2472379"/>
-                  <a:pt x="4380688" y="2504819"/>
-                </a:cubicBezTo>
-                <a:cubicBezTo>
-                  <a:pt x="4393528" y="2510493"/>
-                  <a:pt x="4397884" y="2522485"/>
-                  <a:pt x="4399892" y="2537002"/>
-                </a:cubicBezTo>
-                <a:cubicBezTo>
-                  <a:pt x="4420218" y="2562143"/>
-                  <a:pt x="4430910" y="2594831"/>
-                  <a:pt x="4449690" y="2628144"/>
-                </a:cubicBezTo>
-                <a:cubicBezTo>
-                  <a:pt x="4468446" y="2678770"/>
-                  <a:pt x="4488860" y="2772681"/>
-                  <a:pt x="4512427" y="2840755"/>
-                </a:cubicBezTo>
-                <a:lnTo>
-                  <a:pt x="4591091" y="3036586"/>
-                </a:lnTo>
-                <a:cubicBezTo>
-                  <a:pt x="4639934" y="3158078"/>
-                  <a:pt x="4730818" y="3310586"/>
-                  <a:pt x="4757297" y="3388741"/>
-                </a:cubicBezTo>
-                <a:cubicBezTo>
-                  <a:pt x="4756620" y="3412898"/>
-                  <a:pt x="4755942" y="3437054"/>
-                  <a:pt x="4755264" y="3461211"/>
-                </a:cubicBezTo>
-                <a:cubicBezTo>
-                  <a:pt x="4763881" y="3469559"/>
-                  <a:pt x="4774382" y="3498341"/>
-                  <a:pt x="4776842" y="3503606"/>
-                </a:cubicBezTo>
-                <a:cubicBezTo>
-                  <a:pt x="4776789" y="3503947"/>
-                  <a:pt x="4816006" y="3543555"/>
-                  <a:pt x="4815953" y="3543897"/>
-                </a:cubicBezTo>
-                <a:lnTo>
-                  <a:pt x="4826382" y="3589602"/>
-                </a:lnTo>
-                <a:cubicBezTo>
-                  <a:pt x="4854724" y="3618181"/>
-                  <a:pt x="4872282" y="3672884"/>
-                  <a:pt x="4900664" y="3697326"/>
-                </a:cubicBezTo>
-                <a:cubicBezTo>
-                  <a:pt x="4872593" y="3751610"/>
-                  <a:pt x="4889332" y="3712092"/>
-                  <a:pt x="4944717" y="3795461"/>
-                </a:cubicBezTo>
-                <a:cubicBezTo>
-                  <a:pt x="4981269" y="3830092"/>
-                  <a:pt x="4951776" y="3836266"/>
-                  <a:pt x="4981260" y="3887734"/>
-                </a:cubicBezTo>
-                <a:cubicBezTo>
-                  <a:pt x="4992187" y="3900180"/>
-                  <a:pt x="5000945" y="3922491"/>
-                  <a:pt x="5000423" y="3933089"/>
-                </a:cubicBezTo>
-                <a:lnTo>
-                  <a:pt x="5033013" y="3937041"/>
-                </a:lnTo>
-                <a:lnTo>
-                  <a:pt x="5081597" y="4013154"/>
-                </a:lnTo>
-                <a:lnTo>
-                  <a:pt x="5088052" y="4027525"/>
-                </a:lnTo>
-                <a:lnTo>
-                  <a:pt x="5189054" y="4098668"/>
-                </a:lnTo>
-                <a:lnTo>
-                  <a:pt x="5228545" y="4146658"/>
-                </a:lnTo>
-                <a:lnTo>
-                  <a:pt x="5268336" y="4194504"/>
-                </a:lnTo>
-                <a:cubicBezTo>
-                  <a:pt x="5282676" y="4201217"/>
-                  <a:pt x="5302948" y="4267012"/>
-                  <a:pt x="5317950" y="4267325"/>
-                </a:cubicBezTo>
-                <a:cubicBezTo>
-                  <a:pt x="5371561" y="4431932"/>
-                  <a:pt x="5512417" y="4438996"/>
-                  <a:pt x="5598270" y="4563876"/>
-                </a:cubicBezTo>
-                <a:cubicBezTo>
-                  <a:pt x="5684123" y="4688756"/>
-                  <a:pt x="5658748" y="4766617"/>
-                  <a:pt x="5833068" y="5016605"/>
-                </a:cubicBezTo>
-                <a:cubicBezTo>
-                  <a:pt x="5917959" y="5167124"/>
-                  <a:pt x="6007541" y="5258633"/>
-                  <a:pt x="6045916" y="5405287"/>
-                </a:cubicBezTo>
-                <a:cubicBezTo>
-                  <a:pt x="6053001" y="5431110"/>
-                  <a:pt x="6137180" y="5517469"/>
-                  <a:pt x="6117737" y="5538137"/>
-                </a:cubicBezTo>
-                <a:cubicBezTo>
-                  <a:pt x="6096856" y="5567956"/>
-                  <a:pt x="6185855" y="5633330"/>
-                  <a:pt x="6144230" y="5635151"/>
-                </a:cubicBezTo>
-                <a:cubicBezTo>
-                  <a:pt x="6206267" y="5682015"/>
-                  <a:pt x="6167034" y="5753331"/>
-                  <a:pt x="6176742" y="5809044"/>
-                </a:cubicBezTo>
-                <a:cubicBezTo>
-                  <a:pt x="6181644" y="5871497"/>
-                  <a:pt x="6197878" y="5926431"/>
-                  <a:pt x="6245199" y="6038018"/>
-                </a:cubicBezTo>
-                <a:cubicBezTo>
-                  <a:pt x="6276717" y="6104340"/>
-                  <a:pt x="6288745" y="6124315"/>
-                  <a:pt x="6303931" y="6175618"/>
-                </a:cubicBezTo>
-                <a:cubicBezTo>
-                  <a:pt x="6319117" y="6226921"/>
-                  <a:pt x="6298592" y="6320971"/>
-                  <a:pt x="6336313" y="6345837"/>
-                </a:cubicBezTo>
-                <a:cubicBezTo>
-                  <a:pt x="6368454" y="6400251"/>
-                  <a:pt x="6388884" y="6464262"/>
-                  <a:pt x="6401195" y="6542084"/>
-                </a:cubicBezTo>
-                <a:lnTo>
-                  <a:pt x="6408310" y="6612865"/>
-                </a:lnTo>
-                <a:lnTo>
-                  <a:pt x="1146484" y="6912725"/>
-                </a:lnTo>
-                <a:lnTo>
-                  <a:pt x="1108438" y="6825083"/>
-                </a:lnTo>
-                <a:cubicBezTo>
-                  <a:pt x="1057133" y="6684904"/>
-                  <a:pt x="1090669" y="6637010"/>
-                  <a:pt x="997867" y="6378703"/>
-                </a:cubicBezTo>
-                <a:cubicBezTo>
-                  <a:pt x="956253" y="6228487"/>
-                  <a:pt x="874761" y="6010797"/>
-                  <a:pt x="858750" y="5923784"/>
-                </a:cubicBezTo>
-                <a:cubicBezTo>
-                  <a:pt x="856924" y="5899993"/>
-                  <a:pt x="844018" y="5873122"/>
-                  <a:pt x="860408" y="5860728"/>
-                </a:cubicBezTo>
-                <a:cubicBezTo>
-                  <a:pt x="878957" y="5840950"/>
-                  <a:pt x="823834" y="5761906"/>
-                  <a:pt x="853644" y="5771381"/>
-                </a:cubicBezTo>
-                <a:cubicBezTo>
-                  <a:pt x="815383" y="5715186"/>
-                  <a:pt x="852133" y="5665047"/>
-                  <a:pt x="852164" y="5615193"/>
-                </a:cubicBezTo>
-                <a:cubicBezTo>
-                  <a:pt x="817076" y="5571334"/>
-                  <a:pt x="851740" y="5509975"/>
-                  <a:pt x="831986" y="5402745"/>
-                </a:cubicBezTo>
-                <a:cubicBezTo>
-                  <a:pt x="792037" y="5354630"/>
-                  <a:pt x="819063" y="5330513"/>
-                  <a:pt x="759590" y="5239800"/>
-                </a:cubicBezTo>
-                <a:cubicBezTo>
-                  <a:pt x="762665" y="5236543"/>
-                  <a:pt x="765245" y="5232371"/>
-                  <a:pt x="767251" y="5227414"/>
-                </a:cubicBezTo>
-                <a:cubicBezTo>
-                  <a:pt x="778914" y="5198604"/>
-                  <a:pt x="769142" y="5150045"/>
-                  <a:pt x="745427" y="5118958"/>
-                </a:cubicBezTo>
-                <a:cubicBezTo>
-                  <a:pt x="660991" y="4975263"/>
-                  <a:pt x="672599" y="4907855"/>
-                  <a:pt x="635950" y="4788294"/>
-                </a:cubicBezTo>
-                <a:cubicBezTo>
-                  <a:pt x="600650" y="4653678"/>
-                  <a:pt x="646752" y="4690694"/>
-                  <a:pt x="558787" y="4518070"/>
-                </a:cubicBezTo>
-                <a:cubicBezTo>
-                  <a:pt x="577057" y="4502442"/>
-                  <a:pt x="573633" y="4481342"/>
-                  <a:pt x="555530" y="4444433"/>
-                </a:cubicBezTo>
-                <a:cubicBezTo>
-                  <a:pt x="540027" y="4379200"/>
-                  <a:pt x="596616" y="4390343"/>
-                  <a:pt x="549378" y="4320965"/>
-                </a:cubicBezTo>
-                <a:cubicBezTo>
-                  <a:pt x="581692" y="4336040"/>
-                  <a:pt x="535024" y="4198883"/>
-                  <a:pt x="572361" y="4232369"/>
-                </a:cubicBezTo>
-                <a:cubicBezTo>
-                  <a:pt x="590648" y="4193014"/>
-                  <a:pt x="541489" y="4167113"/>
-                  <a:pt x="556288" y="4127673"/>
-                </a:cubicBezTo>
-                <a:lnTo>
-                  <a:pt x="506660" y="3821119"/>
-                </a:lnTo>
-                <a:cubicBezTo>
-                  <a:pt x="481478" y="3781010"/>
-                  <a:pt x="483894" y="3751446"/>
-                  <a:pt x="494791" y="3723556"/>
-                </a:cubicBezTo>
-                <a:cubicBezTo>
-                  <a:pt x="472516" y="3634460"/>
-                  <a:pt x="499836" y="3607209"/>
-                  <a:pt x="490230" y="3508893"/>
-                </a:cubicBezTo>
-                <a:cubicBezTo>
-                  <a:pt x="525541" y="3397546"/>
-                  <a:pt x="482951" y="3307116"/>
-                  <a:pt x="484223" y="3233179"/>
-                </a:cubicBezTo>
-                <a:cubicBezTo>
-                  <a:pt x="465844" y="3133672"/>
-                  <a:pt x="460855" y="3219289"/>
-                  <a:pt x="460329" y="3041244"/>
-                </a:cubicBezTo>
-                <a:lnTo>
-                  <a:pt x="407197" y="2812292"/>
-                </a:lnTo>
-                <a:cubicBezTo>
-                  <a:pt x="391019" y="2768219"/>
-                  <a:pt x="344571" y="2745090"/>
-                  <a:pt x="386122" y="2757841"/>
-                </a:cubicBezTo>
-                <a:cubicBezTo>
-                  <a:pt x="381879" y="2743275"/>
-                  <a:pt x="360306" y="2721346"/>
-                  <a:pt x="363684" y="2714608"/>
-                </a:cubicBezTo>
-                <a:lnTo>
-                  <a:pt x="330746" y="2625146"/>
-                </a:lnTo>
-                <a:lnTo>
-                  <a:pt x="299927" y="2566177"/>
-                </a:lnTo>
-                <a:cubicBezTo>
-                  <a:pt x="300505" y="2524092"/>
-                  <a:pt x="287694" y="2482008"/>
-                  <a:pt x="288272" y="2439923"/>
-                </a:cubicBezTo>
-                <a:cubicBezTo>
-                  <a:pt x="243273" y="2349673"/>
-                  <a:pt x="278610" y="2382839"/>
-                  <a:pt x="233611" y="2326248"/>
-                </a:cubicBezTo>
-                <a:lnTo>
-                  <a:pt x="115057" y="2127916"/>
-                </a:lnTo>
-                <a:close/>
-              </a:path>
-            </a:pathLst>
-          </a:custGeom>
-          <a:ln>
-            <a:noFill/>
-          </a:ln>
-        </p:spPr>
-        <p:style>
-          <a:lnRef idx="2">
-            <a:schemeClr val="accent1">
-              <a:shade val="50000"/>
-            </a:schemeClr>
-          </a:lnRef>
-          <a:fillRef idx="1">
-            <a:schemeClr val="accent1"/>
-          </a:fillRef>
-          <a:effectRef idx="0">
-            <a:schemeClr val="accent1"/>
-          </a:effectRef>
-          <a:fontRef idx="minor">
-            <a:schemeClr val="lt1"/>
-          </a:fontRef>
-        </p:style>
-        <p:txBody>
-          <a:bodyPr wrap="square" rtlCol="0" anchor="ctr">
-            <a:noAutofit/>
-          </a:bodyPr>
-          <a:lstStyle/>
-          <a:p>
-            <a:pPr algn="ctr"/>
-            <a:endParaRPr lang="en-US"/>
-          </a:p>
-        </p:txBody>
-      </p:sp>
-      <p:sp>
-        <p:nvSpPr>
-          <p:cNvPr id="2" name="Title 1">
-            <a:extLst>
-              <a:ext uri="{FF2B5EF4-FFF2-40B4-BE49-F238E27FC236}">
-                <a16:creationId xmlns:a16="http://schemas.microsoft.com/office/drawing/2014/main" id="{4A0EAA63-49D5-5353-62C4-D25C319364B0}"/>
-              </a:ext>
-            </a:extLst>
-          </p:cNvPr>
-          <p:cNvSpPr>
-            <a:spLocks noGrp="1"/>
-          </p:cNvSpPr>
-          <p:nvPr>
-            <p:ph type="title"/>
-          </p:nvPr>
-        </p:nvSpPr>
-        <p:spPr>
-          <a:xfrm>
-            <a:off x="1137685" y="3641651"/>
-            <a:ext cx="4055418" cy="2146374"/>
-          </a:xfrm>
-        </p:spPr>
-        <p:txBody>
-          <a:bodyPr anchor="b">
-            <a:normAutofit/>
-          </a:bodyPr>
-          <a:lstStyle/>
-          <a:p>
-            <a:r>
-              <a:rPr lang="en-US">
-                <a:solidFill>
-                  <a:schemeClr val="tx1">
-                    <a:lumMod val="85000"/>
-                    <a:lumOff val="15000"/>
-                  </a:schemeClr>
-                </a:solidFill>
-              </a:rPr>
-              <a:t>The Bad</a:t>
-            </a:r>
-          </a:p>
-        </p:txBody>
-      </p:sp>
-      <p:sp>
-        <p:nvSpPr>
-          <p:cNvPr id="3" name="Content Placeholder 2">
-            <a:extLst>
-              <a:ext uri="{FF2B5EF4-FFF2-40B4-BE49-F238E27FC236}">
-                <a16:creationId xmlns:a16="http://schemas.microsoft.com/office/drawing/2014/main" id="{E92A14C4-07B9-5A9E-C258-B2B8155C79F0}"/>
-              </a:ext>
-            </a:extLst>
-          </p:cNvPr>
-          <p:cNvSpPr>
-            <a:spLocks noGrp="1"/>
-          </p:cNvSpPr>
-          <p:nvPr>
-            <p:ph idx="1"/>
-          </p:nvPr>
-        </p:nvSpPr>
-        <p:spPr>
-          <a:xfrm>
-            <a:off x="6096000" y="896469"/>
-            <a:ext cx="5046196" cy="5323356"/>
-          </a:xfrm>
-        </p:spPr>
-        <p:txBody>
-          <a:bodyPr>
-            <a:normAutofit/>
-          </a:bodyPr>
-          <a:lstStyle/>
-          <a:p>
-            <a:r>
-              <a:rPr lang="en-US" sz="2000">
-                <a:solidFill>
-                  <a:schemeClr val="tx1">
-                    <a:lumMod val="85000"/>
-                    <a:lumOff val="15000"/>
-                  </a:schemeClr>
-                </a:solidFill>
-              </a:rPr>
-              <a:t>What prediction model was used?</a:t>
-            </a:r>
-          </a:p>
-          <a:p>
-            <a:r>
-              <a:rPr lang="en-US" sz="2000">
-                <a:solidFill>
-                  <a:schemeClr val="tx1">
-                    <a:lumMod val="85000"/>
-                    <a:lumOff val="15000"/>
-                  </a:schemeClr>
-                </a:solidFill>
-              </a:rPr>
-              <a:t>What is the RMSE?</a:t>
-            </a:r>
-          </a:p>
-          <a:p>
-            <a:r>
-              <a:rPr lang="en-US" sz="2000">
-                <a:solidFill>
-                  <a:schemeClr val="tx1">
-                    <a:lumMod val="85000"/>
-                    <a:lumOff val="15000"/>
-                  </a:schemeClr>
-                </a:solidFill>
-              </a:rPr>
-              <a:t>Explain what it mean – what was found?</a:t>
-            </a:r>
-          </a:p>
-          <a:p>
-            <a:endParaRPr lang="en-US" sz="2000">
-              <a:solidFill>
-                <a:schemeClr val="tx1">
-                  <a:lumMod val="85000"/>
-                  <a:lumOff val="15000"/>
-                </a:schemeClr>
-              </a:solidFill>
-            </a:endParaRPr>
-          </a:p>
-        </p:txBody>
-      </p:sp>
-    </p:spTree>
-    <p:extLst>
-      <p:ext uri="{BB962C8B-B14F-4D97-AF65-F5344CB8AC3E}">
-        <p14:creationId xmlns:p14="http://schemas.microsoft.com/office/powerpoint/2010/main" val="4153242440"/>
-      </p:ext>
-    </p:extLst>
-  </p:cSld>
-  <p:clrMapOvr>
-    <a:masterClrMapping/>
-  </p:clrMapOvr>
-</p:sld>
-</file>
-
-<file path=ppt/slides/slide5.xml><?xml version="1.0" encoding="utf-8"?>
-<p:sld xmlns:a="http://schemas.openxmlformats.org/drawingml/2006/main" xmlns:r="http://schemas.openxmlformats.org/officeDocument/2006/relationships" xmlns:p="http://schemas.openxmlformats.org/presentationml/2006/main">
-  <p:cSld>
-    <p:bg>
-      <p:bgPr>
-        <a:solidFill>
-          <a:schemeClr val="bg1"/>
-        </a:solidFill>
-        <a:effectLst/>
-      </p:bgPr>
-    </p:bg>
-    <p:spTree>
-      <p:nvGrpSpPr>
-        <p:cNvPr id="1" name=""/>
-        <p:cNvGrpSpPr/>
-        <p:nvPr/>
-      </p:nvGrpSpPr>
-      <p:grpSpPr>
-        <a:xfrm>
-          <a:off x="0" y="0"/>
-          <a:ext cx="0" cy="0"/>
-          <a:chOff x="0" y="0"/>
-          <a:chExt cx="0" cy="0"/>
-        </a:xfrm>
-      </p:grpSpPr>
-      <p:sp useBgFill="1">
-        <p:nvSpPr>
-          <p:cNvPr id="9" name="Rectangle 8">
-            <a:extLst>
-              <a:ext uri="{FF2B5EF4-FFF2-40B4-BE49-F238E27FC236}">
-                <a16:creationId xmlns:a16="http://schemas.microsoft.com/office/drawing/2014/main" id="{F944E337-3E5D-4A1F-A5A1-2057F25B8A7B}"/>
-              </a:ext>
-              <a:ext uri="{C183D7F6-B498-43B3-948B-1728B52AA6E4}">
-                <adec:decorative xmlns:adec="http://schemas.microsoft.com/office/drawing/2017/decorative" val="1"/>
-              </a:ext>
-            </a:extLst>
-          </p:cNvPr>
-          <p:cNvSpPr>
-            <a:spLocks noGrp="1" noRot="1" noChangeAspect="1" noMove="1" noResize="1" noEditPoints="1" noAdjustHandles="1" noChangeArrowheads="1" noChangeShapeType="1" noTextEdit="1"/>
-          </p:cNvSpPr>
-          <p:nvPr>
-            <p:extLst>
-              <p:ext uri="{386F3935-93C4-4BCD-93E2-E3B085C9AB24}">
-                <p16:designElem xmlns:p16="http://schemas.microsoft.com/office/powerpoint/2015/main" val="1"/>
-              </p:ext>
-            </p:extLst>
-          </p:nvPr>
-        </p:nvSpPr>
-        <p:spPr>
-          <a:xfrm>
-            <a:off x="0" y="0"/>
-            <a:ext cx="12192000" cy="6858000"/>
-          </a:xfrm>
-          <a:prstGeom prst="rect">
-            <a:avLst/>
-          </a:prstGeom>
-          <a:ln w="12700" cap="flat" cmpd="sng" algn="ctr">
-            <a:noFill/>
-            <a:prstDash val="solid"/>
-            <a:miter lim="800000"/>
-          </a:ln>
-          <a:effectLst/>
-          <a:extLst>
-            <a:ext uri="{91240B29-F687-4F45-9708-019B960494DF}">
-              <a14:hiddenLine xmlns:a14="http://schemas.microsoft.com/office/drawing/2010/main" w="12700" cap="flat" cmpd="sng" algn="ctr">
-                <a:solidFill>
-                  <a:schemeClr val="accent1">
-                    <a:shade val="50000"/>
-                  </a:schemeClr>
-                </a:solidFill>
-                <a:prstDash val="solid"/>
-                <a:miter lim="800000"/>
-              </a14:hiddenLine>
-            </a:ext>
-          </a:extLst>
-        </p:spPr>
-        <p:style>
-          <a:lnRef idx="2">
-            <a:schemeClr val="accent1">
-              <a:shade val="50000"/>
-            </a:schemeClr>
-          </a:lnRef>
-          <a:fillRef idx="1">
-            <a:schemeClr val="accent1"/>
-          </a:fillRef>
-          <a:effectRef idx="0">
-            <a:schemeClr val="accent1"/>
-          </a:effectRef>
-          <a:fontRef idx="minor">
-            <a:schemeClr val="lt1"/>
-          </a:fontRef>
-        </p:style>
-        <p:txBody>
-          <a:bodyPr rtlCol="0" anchor="ctr"/>
-          <a:lstStyle/>
-          <a:p>
-            <a:pPr algn="ctr"/>
-            <a:endParaRPr lang="en-US"/>
-          </a:p>
-        </p:txBody>
-      </p:sp>
-      <p:sp>
-        <p:nvSpPr>
-          <p:cNvPr id="11" name="Rectangle 10">
-            <a:extLst>
-              <a:ext uri="{FF2B5EF4-FFF2-40B4-BE49-F238E27FC236}">
-                <a16:creationId xmlns:a16="http://schemas.microsoft.com/office/drawing/2014/main" id="{4DA50D69-7CF7-4844-B844-A2B821C77F24}"/>
-              </a:ext>
-              <a:ext uri="{C183D7F6-B498-43B3-948B-1728B52AA6E4}">
-                <adec:decorative xmlns:adec="http://schemas.microsoft.com/office/drawing/2017/decorative" val="1"/>
-              </a:ext>
-            </a:extLst>
-          </p:cNvPr>
-          <p:cNvSpPr>
-            <a:spLocks noGrp="1" noRot="1" noChangeAspect="1" noMove="1" noResize="1" noEditPoints="1" noAdjustHandles="1" noChangeArrowheads="1" noChangeShapeType="1" noTextEdit="1"/>
-          </p:cNvSpPr>
-          <p:nvPr>
-            <p:extLst>
-              <p:ext uri="{386F3935-93C4-4BCD-93E2-E3B085C9AB24}">
-                <p16:designElem xmlns:p16="http://schemas.microsoft.com/office/powerpoint/2015/main" val="1"/>
-              </p:ext>
-            </p:extLst>
-          </p:nvPr>
-        </p:nvSpPr>
-        <p:spPr>
-          <a:xfrm>
-            <a:off x="1" y="-7854"/>
-            <a:ext cx="12192000" cy="6865854"/>
-          </a:xfrm>
-          <a:prstGeom prst="rect">
-            <a:avLst/>
-          </a:prstGeom>
-          <a:solidFill>
-            <a:srgbClr val="82766A">
-              <a:alpha val="15000"/>
-            </a:srgbClr>
-          </a:solidFill>
-          <a:ln>
-            <a:noFill/>
-          </a:ln>
-        </p:spPr>
-        <p:style>
-          <a:lnRef idx="2">
-            <a:schemeClr val="accent1">
-              <a:shade val="50000"/>
-            </a:schemeClr>
-          </a:lnRef>
-          <a:fillRef idx="1">
-            <a:schemeClr val="accent1"/>
-          </a:fillRef>
-          <a:effectRef idx="0">
-            <a:schemeClr val="accent1"/>
-          </a:effectRef>
-          <a:fontRef idx="minor">
-            <a:schemeClr val="lt1"/>
-          </a:fontRef>
-        </p:style>
-        <p:txBody>
-          <a:bodyPr rtlCol="0" anchor="ctr"/>
-          <a:lstStyle/>
-          <a:p>
-            <a:pPr algn="ctr"/>
-            <a:endParaRPr lang="en-US"/>
-          </a:p>
-        </p:txBody>
-      </p:sp>
-      <p:sp>
-        <p:nvSpPr>
-          <p:cNvPr id="2" name="Title 1">
-            <a:extLst>
-              <a:ext uri="{FF2B5EF4-FFF2-40B4-BE49-F238E27FC236}">
-                <a16:creationId xmlns:a16="http://schemas.microsoft.com/office/drawing/2014/main" id="{CF6B14E4-9B60-875D-C567-B3E2D2220835}"/>
-              </a:ext>
-            </a:extLst>
-          </p:cNvPr>
-          <p:cNvSpPr>
-            <a:spLocks noGrp="1"/>
-          </p:cNvSpPr>
-          <p:nvPr>
-            <p:ph type="title"/>
-          </p:nvPr>
-        </p:nvSpPr>
-        <p:spPr>
-          <a:xfrm>
-            <a:off x="4572001" y="601744"/>
-            <a:ext cx="6781800" cy="1338696"/>
-          </a:xfrm>
-        </p:spPr>
-        <p:txBody>
-          <a:bodyPr>
-            <a:normAutofit/>
-          </a:bodyPr>
-          <a:lstStyle/>
-          <a:p>
-            <a:r>
-              <a:rPr lang="en-US" dirty="0"/>
-              <a:t>The Ugly</a:t>
-            </a:r>
-          </a:p>
-        </p:txBody>
-      </p:sp>
-      <p:sp>
-        <p:nvSpPr>
-          <p:cNvPr id="3" name="Content Placeholder 2">
-            <a:extLst>
-              <a:ext uri="{FF2B5EF4-FFF2-40B4-BE49-F238E27FC236}">
-                <a16:creationId xmlns:a16="http://schemas.microsoft.com/office/drawing/2014/main" id="{1C92ED8A-E160-7DA6-0530-D18B2B1E8024}"/>
-              </a:ext>
-            </a:extLst>
-          </p:cNvPr>
-          <p:cNvSpPr>
-            <a:spLocks noGrp="1"/>
-          </p:cNvSpPr>
-          <p:nvPr>
-            <p:ph idx="1"/>
-          </p:nvPr>
-        </p:nvSpPr>
-        <p:spPr>
-          <a:xfrm>
-            <a:off x="4572001" y="2201958"/>
-            <a:ext cx="6781800" cy="3900730"/>
-          </a:xfrm>
-        </p:spPr>
-        <p:txBody>
-          <a:bodyPr anchor="t">
-            <a:normAutofit/>
-          </a:bodyPr>
-          <a:lstStyle/>
-          <a:p>
-            <a:r>
-              <a:rPr lang="en-US" sz="2000"/>
-              <a:t>What prediction model was used?</a:t>
-            </a:r>
-          </a:p>
-          <a:p>
-            <a:r>
-              <a:rPr lang="en-US" sz="2000"/>
-              <a:t>What is the RMSE?</a:t>
-            </a:r>
-          </a:p>
-          <a:p>
-            <a:r>
-              <a:rPr lang="en-US" sz="2000"/>
-              <a:t>Explain what it means – what was found?</a:t>
-            </a:r>
-          </a:p>
-        </p:txBody>
-      </p:sp>
-    </p:spTree>
-    <p:extLst>
-      <p:ext uri="{BB962C8B-B14F-4D97-AF65-F5344CB8AC3E}">
-        <p14:creationId xmlns:p14="http://schemas.microsoft.com/office/powerpoint/2010/main" val="155821346"/>
       </p:ext>
     </p:extLst>
   </p:cSld>
